--- a/mapa temas.pptx
+++ b/mapa temas.pptx
@@ -5,16 +5,13 @@
     <p:sldMasterId id="2147483648" r:id="rId1"/>
   </p:sldMasterIdLst>
   <p:sldIdLst>
-    <p:sldId id="256" r:id="rId2"/>
-    <p:sldId id="260" r:id="rId3"/>
-    <p:sldId id="257" r:id="rId4"/>
-    <p:sldId id="259" r:id="rId5"/>
-    <p:sldId id="258" r:id="rId6"/>
-    <p:sldId id="261" r:id="rId7"/>
-    <p:sldId id="262" r:id="rId8"/>
-    <p:sldId id="265" r:id="rId9"/>
-    <p:sldId id="263" r:id="rId10"/>
-    <p:sldId id="264" r:id="rId11"/>
+    <p:sldId id="257" r:id="rId2"/>
+    <p:sldId id="258" r:id="rId3"/>
+    <p:sldId id="261" r:id="rId4"/>
+    <p:sldId id="260" r:id="rId5"/>
+    <p:sldId id="262" r:id="rId6"/>
+    <p:sldId id="264" r:id="rId7"/>
+    <p:sldId id="263" r:id="rId8"/>
   </p:sldIdLst>
   <p:sldSz cx="12192000" cy="6858000"/>
   <p:notesSz cx="6858000" cy="9144000"/>
@@ -113,6 +110,11 @@
       </a:defRPr>
     </a:lvl9pPr>
   </p:defaultTextStyle>
+  <p:extLst>
+    <p:ext uri="{EFAFB233-063F-42B5-8137-9DF3F51BA10A}">
+      <p15:sldGuideLst xmlns:p15="http://schemas.microsoft.com/office/powerpoint/2012/main"/>
+    </p:ext>
+  </p:extLst>
 </p:presentation>
 </file>
 
@@ -263,7 +265,7 @@
           <a:p>
             <a:fld id="{E378AA20-B68A-4186-9C39-B0F6A7155FD9}" type="datetimeFigureOut">
               <a:rPr lang="es-MX" smtClean="0"/>
-              <a:t>08/04/2025</a:t>
+              <a:t>12/04/2025</a:t>
             </a:fld>
             <a:endParaRPr lang="es-MX"/>
           </a:p>
@@ -461,7 +463,7 @@
           <a:p>
             <a:fld id="{E378AA20-B68A-4186-9C39-B0F6A7155FD9}" type="datetimeFigureOut">
               <a:rPr lang="es-MX" smtClean="0"/>
-              <a:t>08/04/2025</a:t>
+              <a:t>12/04/2025</a:t>
             </a:fld>
             <a:endParaRPr lang="es-MX"/>
           </a:p>
@@ -669,7 +671,7 @@
           <a:p>
             <a:fld id="{E378AA20-B68A-4186-9C39-B0F6A7155FD9}" type="datetimeFigureOut">
               <a:rPr lang="es-MX" smtClean="0"/>
-              <a:t>08/04/2025</a:t>
+              <a:t>12/04/2025</a:t>
             </a:fld>
             <a:endParaRPr lang="es-MX"/>
           </a:p>
@@ -867,7 +869,7 @@
           <a:p>
             <a:fld id="{E378AA20-B68A-4186-9C39-B0F6A7155FD9}" type="datetimeFigureOut">
               <a:rPr lang="es-MX" smtClean="0"/>
-              <a:t>08/04/2025</a:t>
+              <a:t>12/04/2025</a:t>
             </a:fld>
             <a:endParaRPr lang="es-MX"/>
           </a:p>
@@ -1142,7 +1144,7 @@
           <a:p>
             <a:fld id="{E378AA20-B68A-4186-9C39-B0F6A7155FD9}" type="datetimeFigureOut">
               <a:rPr lang="es-MX" smtClean="0"/>
-              <a:t>08/04/2025</a:t>
+              <a:t>12/04/2025</a:t>
             </a:fld>
             <a:endParaRPr lang="es-MX"/>
           </a:p>
@@ -1407,7 +1409,7 @@
           <a:p>
             <a:fld id="{E378AA20-B68A-4186-9C39-B0F6A7155FD9}" type="datetimeFigureOut">
               <a:rPr lang="es-MX" smtClean="0"/>
-              <a:t>08/04/2025</a:t>
+              <a:t>12/04/2025</a:t>
             </a:fld>
             <a:endParaRPr lang="es-MX"/>
           </a:p>
@@ -1819,7 +1821,7 @@
           <a:p>
             <a:fld id="{E378AA20-B68A-4186-9C39-B0F6A7155FD9}" type="datetimeFigureOut">
               <a:rPr lang="es-MX" smtClean="0"/>
-              <a:t>08/04/2025</a:t>
+              <a:t>12/04/2025</a:t>
             </a:fld>
             <a:endParaRPr lang="es-MX"/>
           </a:p>
@@ -1960,7 +1962,7 @@
           <a:p>
             <a:fld id="{E378AA20-B68A-4186-9C39-B0F6A7155FD9}" type="datetimeFigureOut">
               <a:rPr lang="es-MX" smtClean="0"/>
-              <a:t>08/04/2025</a:t>
+              <a:t>12/04/2025</a:t>
             </a:fld>
             <a:endParaRPr lang="es-MX"/>
           </a:p>
@@ -2073,7 +2075,7 @@
           <a:p>
             <a:fld id="{E378AA20-B68A-4186-9C39-B0F6A7155FD9}" type="datetimeFigureOut">
               <a:rPr lang="es-MX" smtClean="0"/>
-              <a:t>08/04/2025</a:t>
+              <a:t>12/04/2025</a:t>
             </a:fld>
             <a:endParaRPr lang="es-MX"/>
           </a:p>
@@ -2384,7 +2386,7 @@
           <a:p>
             <a:fld id="{E378AA20-B68A-4186-9C39-B0F6A7155FD9}" type="datetimeFigureOut">
               <a:rPr lang="es-MX" smtClean="0"/>
-              <a:t>08/04/2025</a:t>
+              <a:t>12/04/2025</a:t>
             </a:fld>
             <a:endParaRPr lang="es-MX"/>
           </a:p>
@@ -2672,7 +2674,7 @@
           <a:p>
             <a:fld id="{E378AA20-B68A-4186-9C39-B0F6A7155FD9}" type="datetimeFigureOut">
               <a:rPr lang="es-MX" smtClean="0"/>
-              <a:t>08/04/2025</a:t>
+              <a:t>12/04/2025</a:t>
             </a:fld>
             <a:endParaRPr lang="es-MX"/>
           </a:p>
@@ -2913,7 +2915,7 @@
           <a:p>
             <a:fld id="{E378AA20-B68A-4186-9C39-B0F6A7155FD9}" type="datetimeFigureOut">
               <a:rPr lang="es-MX" smtClean="0"/>
-              <a:t>08/04/2025</a:t>
+              <a:t>12/04/2025</a:t>
             </a:fld>
             <a:endParaRPr lang="es-MX"/>
           </a:p>
@@ -3332,55 +3334,61 @@
       </p:grpSpPr>
       <p:sp>
         <p:nvSpPr>
-          <p:cNvPr id="2" name="AutoShape 2">
-            <a:extLst>
-              <a:ext uri="{FF2B5EF4-FFF2-40B4-BE49-F238E27FC236}">
-                <a16:creationId xmlns:a16="http://schemas.microsoft.com/office/drawing/2014/main" id="{3C0E0B6C-EF37-B503-1B82-97526D6E3933}"/>
-              </a:ext>
-            </a:extLst>
-          </p:cNvPr>
-          <p:cNvSpPr>
-            <a:spLocks noChangeAspect="1" noChangeArrowheads="1"/>
-          </p:cNvSpPr>
+          <p:cNvPr id="4" name="CuadroTexto 3">
+            <a:extLst>
+              <a:ext uri="{FF2B5EF4-FFF2-40B4-BE49-F238E27FC236}">
+                <a16:creationId xmlns:a16="http://schemas.microsoft.com/office/drawing/2014/main" id="{53B7AC7D-8F2F-DDBB-1B0F-6D80204C3D65}"/>
+              </a:ext>
+            </a:extLst>
+          </p:cNvPr>
+          <p:cNvSpPr txBox="1"/>
           <p:nvPr/>
         </p:nvSpPr>
-        <p:spPr bwMode="auto">
+        <p:spPr>
           <a:xfrm>
-            <a:off x="1937084" y="-729916"/>
-            <a:ext cx="4311316" cy="4311316"/>
+            <a:off x="172202" y="168442"/>
+            <a:ext cx="11763124" cy="707886"/>
           </a:xfrm>
           <a:prstGeom prst="rect">
             <a:avLst/>
           </a:prstGeom>
           <a:noFill/>
-          <a:extLst>
-            <a:ext uri="{909E8E84-426E-40DD-AFC4-6F175D3DCCD1}">
-              <a14:hiddenFill xmlns:a14="http://schemas.microsoft.com/office/drawing/2010/main">
-                <a:solidFill>
-                  <a:srgbClr val="FFFFFF"/>
-                </a:solidFill>
-              </a14:hiddenFill>
-            </a:ext>
-          </a:extLst>
         </p:spPr>
         <p:txBody>
-          <a:bodyPr vert="horz" wrap="square" lIns="91440" tIns="45720" rIns="91440" bIns="45720" numCol="1" anchor="t" anchorCtr="0" compatLnSpc="1">
-            <a:prstTxWarp prst="textNoShape">
-              <a:avLst/>
-            </a:prstTxWarp>
+          <a:bodyPr wrap="square" rtlCol="0">
+            <a:spAutoFit/>
           </a:bodyPr>
           <a:lstStyle/>
           <a:p>
-            <a:endParaRPr lang="es-MX"/>
+            <a:r>
+              <a:rPr lang="es-MX" sz="2000" dirty="0"/>
+              <a:t>Palabras con </a:t>
+            </a:r>
+            <a:r>
+              <a:rPr lang="es-MX" sz="2000" dirty="0" err="1"/>
+              <a:t>co-ocurrencia</a:t>
+            </a:r>
+            <a:r>
+              <a:rPr lang="es-MX" sz="2000" dirty="0"/>
+              <a:t> mayor a 130, se usaron 107 palabras. Selecciono 6 </a:t>
+            </a:r>
+            <a:r>
+              <a:rPr lang="es-MX" sz="2000" dirty="0" err="1"/>
+              <a:t>clusters</a:t>
+            </a:r>
+            <a:r>
+              <a:rPr lang="es-MX" sz="2000" dirty="0"/>
+              <a:t>. PC =29.81% y PC2 = 17.39%  “Original” </a:t>
+            </a:r>
           </a:p>
         </p:txBody>
       </p:sp>
       <p:pic>
         <p:nvPicPr>
-          <p:cNvPr id="3" name="Imagen 2">
-            <a:extLst>
-              <a:ext uri="{FF2B5EF4-FFF2-40B4-BE49-F238E27FC236}">
-                <a16:creationId xmlns:a16="http://schemas.microsoft.com/office/drawing/2014/main" id="{48F1FC4A-3C0C-96B5-A027-0E0196BE9637}"/>
+          <p:cNvPr id="5" name="Imagen 4">
+            <a:extLst>
+              <a:ext uri="{FF2B5EF4-FFF2-40B4-BE49-F238E27FC236}">
+                <a16:creationId xmlns:a16="http://schemas.microsoft.com/office/drawing/2014/main" id="{60B1E326-6A24-D19E-EE35-F06FF0BE52AF}"/>
               </a:ext>
             </a:extLst>
           </p:cNvPr>
@@ -3397,133 +3405,8 @@
         </p:blipFill>
         <p:spPr>
           <a:xfrm>
-            <a:off x="172202" y="1425742"/>
-            <a:ext cx="10082714" cy="5423180"/>
-          </a:xfrm>
-          <a:prstGeom prst="rect">
-            <a:avLst/>
-          </a:prstGeom>
-        </p:spPr>
-      </p:pic>
-      <p:sp>
-        <p:nvSpPr>
-          <p:cNvPr id="4" name="CuadroTexto 3">
-            <a:extLst>
-              <a:ext uri="{FF2B5EF4-FFF2-40B4-BE49-F238E27FC236}">
-                <a16:creationId xmlns:a16="http://schemas.microsoft.com/office/drawing/2014/main" id="{B6A1C82B-3C9B-B7C8-25E0-BA58A73F5BA5}"/>
-              </a:ext>
-            </a:extLst>
-          </p:cNvPr>
-          <p:cNvSpPr txBox="1"/>
-          <p:nvPr/>
-        </p:nvSpPr>
-        <p:spPr>
-          <a:xfrm>
-            <a:off x="172202" y="168442"/>
-            <a:ext cx="11763124" cy="830997"/>
-          </a:xfrm>
-          <a:prstGeom prst="rect">
-            <a:avLst/>
-          </a:prstGeom>
-          <a:noFill/>
-        </p:spPr>
-        <p:txBody>
-          <a:bodyPr wrap="square" rtlCol="0">
-            <a:spAutoFit/>
-          </a:bodyPr>
-          <a:lstStyle/>
-          <a:p>
-            <a:r>
-              <a:rPr lang="es-MX" sz="2400" dirty="0"/>
-              <a:t>Palabras con </a:t>
-            </a:r>
-            <a:r>
-              <a:rPr lang="es-MX" sz="2400" dirty="0" err="1"/>
-              <a:t>co-ocurrencia</a:t>
-            </a:r>
-            <a:r>
-              <a:rPr lang="es-MX" sz="2400" dirty="0"/>
-              <a:t> mayor a 10, se usaron 90 palabras. Selecciono 4 </a:t>
-            </a:r>
-            <a:r>
-              <a:rPr lang="es-MX" sz="2400" dirty="0" err="1"/>
-              <a:t>clusters</a:t>
-            </a:r>
-            <a:r>
-              <a:rPr lang="es-MX" sz="2400" dirty="0"/>
-              <a:t>.</a:t>
-            </a:r>
-          </a:p>
-          <a:p>
-            <a:r>
-              <a:rPr lang="es-MX" sz="2400" dirty="0"/>
-              <a:t>Análisis </a:t>
-            </a:r>
-            <a:r>
-              <a:rPr lang="es-MX" sz="2400" dirty="0" err="1"/>
-              <a:t>multiple</a:t>
-            </a:r>
-            <a:r>
-              <a:rPr lang="es-MX" sz="2400" dirty="0"/>
-              <a:t> de correspondencia.</a:t>
-            </a:r>
-          </a:p>
-        </p:txBody>
-      </p:sp>
-    </p:spTree>
-    <p:extLst>
-      <p:ext uri="{BB962C8B-B14F-4D97-AF65-F5344CB8AC3E}">
-        <p14:creationId xmlns:p14="http://schemas.microsoft.com/office/powerpoint/2010/main" val="1053805462"/>
-      </p:ext>
-    </p:extLst>
-  </p:cSld>
-  <p:clrMapOvr>
-    <a:masterClrMapping/>
-  </p:clrMapOvr>
-</p:sld>
-</file>
-
-<file path=ppt/slides/slide10.xml><?xml version="1.0" encoding="utf-8"?>
-<p:sld xmlns:a="http://schemas.openxmlformats.org/drawingml/2006/main" xmlns:r="http://schemas.openxmlformats.org/officeDocument/2006/relationships" xmlns:p="http://schemas.openxmlformats.org/presentationml/2006/main">
-  <p:cSld>
-    <p:spTree>
-      <p:nvGrpSpPr>
-        <p:cNvPr id="1" name=""/>
-        <p:cNvGrpSpPr/>
-        <p:nvPr/>
-      </p:nvGrpSpPr>
-      <p:grpSpPr>
-        <a:xfrm>
-          <a:off x="0" y="0"/>
-          <a:ext cx="0" cy="0"/>
-          <a:chOff x="0" y="0"/>
-          <a:chExt cx="0" cy="0"/>
-        </a:xfrm>
-      </p:grpSpPr>
-      <p:pic>
-        <p:nvPicPr>
-          <p:cNvPr id="2" name="Imagen 1">
-            <a:extLst>
-              <a:ext uri="{FF2B5EF4-FFF2-40B4-BE49-F238E27FC236}">
-                <a16:creationId xmlns:a16="http://schemas.microsoft.com/office/drawing/2014/main" id="{B3684A43-627E-FC94-63FD-3691B4486D12}"/>
-              </a:ext>
-            </a:extLst>
-          </p:cNvPr>
-          <p:cNvPicPr>
-            <a:picLocks noChangeAspect="1"/>
-          </p:cNvPicPr>
-          <p:nvPr/>
-        </p:nvPicPr>
-        <p:blipFill>
-          <a:blip r:embed="rId2"/>
-          <a:stretch>
-            <a:fillRect/>
-          </a:stretch>
-        </p:blipFill>
-        <p:spPr>
-          <a:xfrm>
-            <a:off x="0" y="196766"/>
-            <a:ext cx="11657776" cy="6300287"/>
+            <a:off x="296435" y="876329"/>
+            <a:ext cx="10924721" cy="5744160"/>
           </a:xfrm>
           <a:prstGeom prst="rect">
             <a:avLst/>
@@ -3533,7 +3416,7 @@
     </p:spTree>
     <p:extLst>
       <p:ext uri="{BB962C8B-B14F-4D97-AF65-F5344CB8AC3E}">
-        <p14:creationId xmlns:p14="http://schemas.microsoft.com/office/powerpoint/2010/main" val="1989525524"/>
+        <p14:creationId xmlns:p14="http://schemas.microsoft.com/office/powerpoint/2010/main" val="4047340793"/>
       </p:ext>
     </p:extLst>
   </p:cSld>
@@ -3548,7 +3431,13 @@
   <p:cSld>
     <p:spTree>
       <p:nvGrpSpPr>
-        <p:cNvPr id="1" name=""/>
+        <p:cNvPr id="1" name="">
+          <a:extLst>
+            <a:ext uri="{FF2B5EF4-FFF2-40B4-BE49-F238E27FC236}">
+              <a16:creationId xmlns:a16="http://schemas.microsoft.com/office/drawing/2014/main" id="{5C842D18-438E-28E8-368A-84FBFE6E05A7}"/>
+            </a:ext>
+          </a:extLst>
+        </p:cNvPr>
         <p:cNvGrpSpPr/>
         <p:nvPr/>
       </p:nvGrpSpPr>
@@ -3562,55 +3451,61 @@
       </p:grpSpPr>
       <p:sp>
         <p:nvSpPr>
-          <p:cNvPr id="2" name="AutoShape 2">
-            <a:extLst>
-              <a:ext uri="{FF2B5EF4-FFF2-40B4-BE49-F238E27FC236}">
-                <a16:creationId xmlns:a16="http://schemas.microsoft.com/office/drawing/2014/main" id="{1BC0F09B-77D8-628B-357E-02F8FB633FD6}"/>
-              </a:ext>
-            </a:extLst>
-          </p:cNvPr>
-          <p:cNvSpPr>
-            <a:spLocks noChangeAspect="1" noChangeArrowheads="1"/>
-          </p:cNvSpPr>
+          <p:cNvPr id="4" name="CuadroTexto 3">
+            <a:extLst>
+              <a:ext uri="{FF2B5EF4-FFF2-40B4-BE49-F238E27FC236}">
+                <a16:creationId xmlns:a16="http://schemas.microsoft.com/office/drawing/2014/main" id="{33C2DD2C-68F3-825E-3062-3D0F14711C60}"/>
+              </a:ext>
+            </a:extLst>
+          </p:cNvPr>
+          <p:cNvSpPr txBox="1"/>
           <p:nvPr/>
         </p:nvSpPr>
-        <p:spPr bwMode="auto">
+        <p:spPr>
           <a:xfrm>
-            <a:off x="5943600" y="3276600"/>
-            <a:ext cx="304800" cy="304800"/>
+            <a:off x="172202" y="168442"/>
+            <a:ext cx="11763124" cy="707886"/>
           </a:xfrm>
           <a:prstGeom prst="rect">
             <a:avLst/>
           </a:prstGeom>
           <a:noFill/>
-          <a:extLst>
-            <a:ext uri="{909E8E84-426E-40DD-AFC4-6F175D3DCCD1}">
-              <a14:hiddenFill xmlns:a14="http://schemas.microsoft.com/office/drawing/2010/main">
-                <a:solidFill>
-                  <a:srgbClr val="FFFFFF"/>
-                </a:solidFill>
-              </a14:hiddenFill>
-            </a:ext>
-          </a:extLst>
         </p:spPr>
         <p:txBody>
-          <a:bodyPr vert="horz" wrap="square" lIns="91440" tIns="45720" rIns="91440" bIns="45720" numCol="1" anchor="t" anchorCtr="0" compatLnSpc="1">
-            <a:prstTxWarp prst="textNoShape">
-              <a:avLst/>
-            </a:prstTxWarp>
+          <a:bodyPr wrap="square" rtlCol="0">
+            <a:spAutoFit/>
           </a:bodyPr>
           <a:lstStyle/>
           <a:p>
-            <a:endParaRPr lang="es-MX"/>
+            <a:r>
+              <a:rPr lang="es-MX" sz="2000" dirty="0"/>
+              <a:t>Palabras con </a:t>
+            </a:r>
+            <a:r>
+              <a:rPr lang="es-MX" sz="2000" dirty="0" err="1"/>
+              <a:t>co-ocurrencia</a:t>
+            </a:r>
+            <a:r>
+              <a:rPr lang="es-MX" sz="2000" dirty="0"/>
+              <a:t> mayor a 63, se usaron 310 palabras. Selecciono 4 </a:t>
+            </a:r>
+            <a:r>
+              <a:rPr lang="es-MX" sz="2000" dirty="0" err="1"/>
+              <a:t>clusters</a:t>
+            </a:r>
+            <a:r>
+              <a:rPr lang="es-MX" sz="2000" dirty="0"/>
+              <a:t>. PC =18.88% y PC2 = 11.71% </a:t>
+            </a:r>
           </a:p>
         </p:txBody>
       </p:sp>
       <p:pic>
         <p:nvPicPr>
-          <p:cNvPr id="3" name="Imagen 2">
-            <a:extLst>
-              <a:ext uri="{FF2B5EF4-FFF2-40B4-BE49-F238E27FC236}">
-                <a16:creationId xmlns:a16="http://schemas.microsoft.com/office/drawing/2014/main" id="{FBCDFE44-4431-ADDC-8026-93A96AC91985}"/>
+          <p:cNvPr id="9" name="Imagen 8">
+            <a:extLst>
+              <a:ext uri="{FF2B5EF4-FFF2-40B4-BE49-F238E27FC236}">
+                <a16:creationId xmlns:a16="http://schemas.microsoft.com/office/drawing/2014/main" id="{FF7B4EBB-27EE-B9D1-05C9-ED45790C6035}"/>
               </a:ext>
             </a:extLst>
           </p:cNvPr>
@@ -3627,8 +3522,8 @@
         </p:blipFill>
         <p:spPr>
           <a:xfrm>
-            <a:off x="-20053" y="0"/>
-            <a:ext cx="12378066" cy="6689558"/>
+            <a:off x="83976" y="891239"/>
+            <a:ext cx="10792408" cy="5798319"/>
           </a:xfrm>
           <a:prstGeom prst="rect">
             <a:avLst/>
@@ -3638,7 +3533,7 @@
     </p:spTree>
     <p:extLst>
       <p:ext uri="{BB962C8B-B14F-4D97-AF65-F5344CB8AC3E}">
-        <p14:creationId xmlns:p14="http://schemas.microsoft.com/office/powerpoint/2010/main" val="1205896324"/>
+        <p14:creationId xmlns:p14="http://schemas.microsoft.com/office/powerpoint/2010/main" val="2330588734"/>
       </p:ext>
     </p:extLst>
   </p:cSld>
@@ -3653,7 +3548,13 @@
   <p:cSld>
     <p:spTree>
       <p:nvGrpSpPr>
-        <p:cNvPr id="1" name=""/>
+        <p:cNvPr id="1" name="">
+          <a:extLst>
+            <a:ext uri="{FF2B5EF4-FFF2-40B4-BE49-F238E27FC236}">
+              <a16:creationId xmlns:a16="http://schemas.microsoft.com/office/drawing/2014/main" id="{313790A7-6303-530C-AAC5-0D04E423B48D}"/>
+            </a:ext>
+          </a:extLst>
+        </p:cNvPr>
         <p:cNvGrpSpPr/>
         <p:nvPr/>
       </p:nvGrpSpPr>
@@ -3665,12 +3566,69 @@
           <a:chExt cx="0" cy="0"/>
         </a:xfrm>
       </p:grpSpPr>
+      <p:sp>
+        <p:nvSpPr>
+          <p:cNvPr id="4" name="CuadroTexto 3">
+            <a:extLst>
+              <a:ext uri="{FF2B5EF4-FFF2-40B4-BE49-F238E27FC236}">
+                <a16:creationId xmlns:a16="http://schemas.microsoft.com/office/drawing/2014/main" id="{4722C071-5127-48AC-7350-A5775E6FFAE9}"/>
+              </a:ext>
+            </a:extLst>
+          </p:cNvPr>
+          <p:cNvSpPr txBox="1"/>
+          <p:nvPr/>
+        </p:nvSpPr>
+        <p:spPr>
+          <a:xfrm>
+            <a:off x="172202" y="168442"/>
+            <a:ext cx="11763124" cy="1077218"/>
+          </a:xfrm>
+          <a:prstGeom prst="rect">
+            <a:avLst/>
+          </a:prstGeom>
+          <a:noFill/>
+        </p:spPr>
+        <p:txBody>
+          <a:bodyPr wrap="square" rtlCol="0">
+            <a:spAutoFit/>
+          </a:bodyPr>
+          <a:lstStyle/>
+          <a:p>
+            <a:r>
+              <a:rPr lang="es-MX" sz="2000" dirty="0"/>
+              <a:t>Palabras con </a:t>
+            </a:r>
+            <a:r>
+              <a:rPr lang="es-MX" sz="2000" dirty="0" err="1"/>
+              <a:t>co-ocurrencia</a:t>
+            </a:r>
+            <a:r>
+              <a:rPr lang="es-MX" sz="2000" dirty="0"/>
+              <a:t> mayor a 65, se usaron 310 palabras. Selecciono 6 </a:t>
+            </a:r>
+            <a:r>
+              <a:rPr lang="es-MX" sz="2000" dirty="0" err="1"/>
+              <a:t>clusters</a:t>
+            </a:r>
+            <a:r>
+              <a:rPr lang="es-MX" sz="2000" dirty="0"/>
+              <a:t>. PC =18.88% y PC2 = 11.71% </a:t>
+            </a:r>
+          </a:p>
+          <a:p>
+            <a:r>
+              <a:rPr lang="es-MX" sz="2400" dirty="0"/>
+              <a:t> </a:t>
+            </a:r>
+          </a:p>
+        </p:txBody>
+      </p:sp>
       <p:pic>
         <p:nvPicPr>
-          <p:cNvPr id="2" name="Imagen 1">
-            <a:extLst>
-              <a:ext uri="{FF2B5EF4-FFF2-40B4-BE49-F238E27FC236}">
-                <a16:creationId xmlns:a16="http://schemas.microsoft.com/office/drawing/2014/main" id="{19CE956F-92B6-3679-CABD-85FEE93ACDB8}"/>
+          <p:cNvPr id="3" name="Imagen 2">
+            <a:extLst>
+              <a:ext uri="{FF2B5EF4-FFF2-40B4-BE49-F238E27FC236}">
+                <a16:creationId xmlns:a16="http://schemas.microsoft.com/office/drawing/2014/main" id="{675C205F-6268-E040-94C8-F5509208B27B}"/>
               </a:ext>
             </a:extLst>
           </p:cNvPr>
@@ -3687,69 +3645,18 @@
         </p:blipFill>
         <p:spPr>
           <a:xfrm>
-            <a:off x="160363" y="1144754"/>
-            <a:ext cx="10286468" cy="5532773"/>
+            <a:off x="676221" y="900083"/>
+            <a:ext cx="10755086" cy="5789475"/>
           </a:xfrm>
           <a:prstGeom prst="rect">
             <a:avLst/>
           </a:prstGeom>
         </p:spPr>
       </p:pic>
-      <p:sp>
-        <p:nvSpPr>
-          <p:cNvPr id="4" name="CuadroTexto 3">
-            <a:extLst>
-              <a:ext uri="{FF2B5EF4-FFF2-40B4-BE49-F238E27FC236}">
-                <a16:creationId xmlns:a16="http://schemas.microsoft.com/office/drawing/2014/main" id="{53B7AC7D-8F2F-DDBB-1B0F-6D80204C3D65}"/>
-              </a:ext>
-            </a:extLst>
-          </p:cNvPr>
-          <p:cNvSpPr txBox="1"/>
-          <p:nvPr/>
-        </p:nvSpPr>
-        <p:spPr>
-          <a:xfrm>
-            <a:off x="172202" y="168442"/>
-            <a:ext cx="11763124" cy="461665"/>
-          </a:xfrm>
-          <a:prstGeom prst="rect">
-            <a:avLst/>
-          </a:prstGeom>
-          <a:noFill/>
-        </p:spPr>
-        <p:txBody>
-          <a:bodyPr wrap="square" rtlCol="0">
-            <a:spAutoFit/>
-          </a:bodyPr>
-          <a:lstStyle/>
-          <a:p>
-            <a:r>
-              <a:rPr lang="es-MX" sz="2400" dirty="0"/>
-              <a:t>Palabras con </a:t>
-            </a:r>
-            <a:r>
-              <a:rPr lang="es-MX" sz="2400" dirty="0" err="1"/>
-              <a:t>co-ocurrencia</a:t>
-            </a:r>
-            <a:r>
-              <a:rPr lang="es-MX" sz="2400" dirty="0"/>
-              <a:t> mayor a 10, se usaron 90 palabras. Selecciono 6 </a:t>
-            </a:r>
-            <a:r>
-              <a:rPr lang="es-MX" sz="2400" dirty="0" err="1"/>
-              <a:t>clusters</a:t>
-            </a:r>
-            <a:r>
-              <a:rPr lang="es-MX" sz="2400" dirty="0"/>
-              <a:t>. </a:t>
-            </a:r>
-          </a:p>
-        </p:txBody>
-      </p:sp>
     </p:spTree>
     <p:extLst>
       <p:ext uri="{BB962C8B-B14F-4D97-AF65-F5344CB8AC3E}">
-        <p14:creationId xmlns:p14="http://schemas.microsoft.com/office/powerpoint/2010/main" val="4047340793"/>
+        <p14:creationId xmlns:p14="http://schemas.microsoft.com/office/powerpoint/2010/main" val="2805802156"/>
       </p:ext>
     </p:extLst>
   </p:cSld>
@@ -3764,7 +3671,13 @@
   <p:cSld>
     <p:spTree>
       <p:nvGrpSpPr>
-        <p:cNvPr id="1" name=""/>
+        <p:cNvPr id="1" name="">
+          <a:extLst>
+            <a:ext uri="{FF2B5EF4-FFF2-40B4-BE49-F238E27FC236}">
+              <a16:creationId xmlns:a16="http://schemas.microsoft.com/office/drawing/2014/main" id="{20AB1A25-AF2B-C790-74A5-39580F28CC1F}"/>
+            </a:ext>
+          </a:extLst>
+        </p:cNvPr>
         <p:cNvGrpSpPr/>
         <p:nvPr/>
       </p:nvGrpSpPr>
@@ -3776,12 +3689,63 @@
           <a:chExt cx="0" cy="0"/>
         </a:xfrm>
       </p:grpSpPr>
+      <p:sp>
+        <p:nvSpPr>
+          <p:cNvPr id="4" name="CuadroTexto 3">
+            <a:extLst>
+              <a:ext uri="{FF2B5EF4-FFF2-40B4-BE49-F238E27FC236}">
+                <a16:creationId xmlns:a16="http://schemas.microsoft.com/office/drawing/2014/main" id="{8BCAD884-9E3F-3FF1-2199-7DBEFD42D4AF}"/>
+              </a:ext>
+            </a:extLst>
+          </p:cNvPr>
+          <p:cNvSpPr txBox="1"/>
+          <p:nvPr/>
+        </p:nvSpPr>
+        <p:spPr>
+          <a:xfrm>
+            <a:off x="172202" y="168442"/>
+            <a:ext cx="11763124" cy="707886"/>
+          </a:xfrm>
+          <a:prstGeom prst="rect">
+            <a:avLst/>
+          </a:prstGeom>
+          <a:noFill/>
+        </p:spPr>
+        <p:txBody>
+          <a:bodyPr wrap="square" rtlCol="0">
+            <a:spAutoFit/>
+          </a:bodyPr>
+          <a:lstStyle/>
+          <a:p>
+            <a:r>
+              <a:rPr lang="es-MX" sz="2000" dirty="0"/>
+              <a:t>Palabras con </a:t>
+            </a:r>
+            <a:r>
+              <a:rPr lang="es-MX" sz="2000" dirty="0" err="1"/>
+              <a:t>co-ocurrencia</a:t>
+            </a:r>
+            <a:r>
+              <a:rPr lang="es-MX" sz="2000" dirty="0"/>
+              <a:t> mayor a 65, se usaron 310 palabras. Selecciono 10 </a:t>
+            </a:r>
+            <a:r>
+              <a:rPr lang="es-MX" sz="2000" dirty="0" err="1"/>
+              <a:t>clusters</a:t>
+            </a:r>
+            <a:r>
+              <a:rPr lang="es-MX" sz="2000" dirty="0"/>
+              <a:t>. PC =18.88% y PC2 = 11.71% </a:t>
+            </a:r>
+          </a:p>
+        </p:txBody>
+      </p:sp>
       <p:pic>
         <p:nvPicPr>
-          <p:cNvPr id="2" name="Imagen 1">
-            <a:extLst>
-              <a:ext uri="{FF2B5EF4-FFF2-40B4-BE49-F238E27FC236}">
-                <a16:creationId xmlns:a16="http://schemas.microsoft.com/office/drawing/2014/main" id="{916BBC9C-5F7A-D31E-BA70-5D5E4065FE7F}"/>
+          <p:cNvPr id="7" name="Imagen 6">
+            <a:extLst>
+              <a:ext uri="{FF2B5EF4-FFF2-40B4-BE49-F238E27FC236}">
+                <a16:creationId xmlns:a16="http://schemas.microsoft.com/office/drawing/2014/main" id="{FC59E434-26BC-418A-6CCE-E80497261157}"/>
               </a:ext>
             </a:extLst>
           </p:cNvPr>
@@ -3792,13 +3756,14 @@
         </p:nvPicPr>
         <p:blipFill>
           <a:blip r:embed="rId2"/>
-          <a:srcRect t="4930"/>
-          <a:stretch/>
+          <a:stretch>
+            <a:fillRect/>
+          </a:stretch>
         </p:blipFill>
         <p:spPr>
           <a:xfrm>
-            <a:off x="0" y="324853"/>
-            <a:ext cx="12192000" cy="6264148"/>
+            <a:off x="620485" y="897326"/>
+            <a:ext cx="10951029" cy="5792232"/>
           </a:xfrm>
           <a:prstGeom prst="rect">
             <a:avLst/>
@@ -3808,7 +3773,7 @@
     </p:spTree>
     <p:extLst>
       <p:ext uri="{BB962C8B-B14F-4D97-AF65-F5344CB8AC3E}">
-        <p14:creationId xmlns:p14="http://schemas.microsoft.com/office/powerpoint/2010/main" val="318133267"/>
+        <p14:creationId xmlns:p14="http://schemas.microsoft.com/office/powerpoint/2010/main" val="3169751894"/>
       </p:ext>
     </p:extLst>
   </p:cSld>
@@ -3823,7 +3788,13 @@
   <p:cSld>
     <p:spTree>
       <p:nvGrpSpPr>
-        <p:cNvPr id="1" name=""/>
+        <p:cNvPr id="1" name="">
+          <a:extLst>
+            <a:ext uri="{FF2B5EF4-FFF2-40B4-BE49-F238E27FC236}">
+              <a16:creationId xmlns:a16="http://schemas.microsoft.com/office/drawing/2014/main" id="{CAE9A197-C497-535E-C4B8-4D1E7D1CFA86}"/>
+            </a:ext>
+          </a:extLst>
+        </p:cNvPr>
         <p:cNvGrpSpPr/>
         <p:nvPr/>
       </p:nvGrpSpPr>
@@ -3835,12 +3806,63 @@
           <a:chExt cx="0" cy="0"/>
         </a:xfrm>
       </p:grpSpPr>
+      <p:sp>
+        <p:nvSpPr>
+          <p:cNvPr id="4" name="CuadroTexto 3">
+            <a:extLst>
+              <a:ext uri="{FF2B5EF4-FFF2-40B4-BE49-F238E27FC236}">
+                <a16:creationId xmlns:a16="http://schemas.microsoft.com/office/drawing/2014/main" id="{E1B94A1F-9AD8-A5D0-B6B8-BF1C40348BE0}"/>
+              </a:ext>
+            </a:extLst>
+          </p:cNvPr>
+          <p:cNvSpPr txBox="1"/>
+          <p:nvPr/>
+        </p:nvSpPr>
+        <p:spPr>
+          <a:xfrm>
+            <a:off x="172202" y="168442"/>
+            <a:ext cx="11763124" cy="707886"/>
+          </a:xfrm>
+          <a:prstGeom prst="rect">
+            <a:avLst/>
+          </a:prstGeom>
+          <a:noFill/>
+        </p:spPr>
+        <p:txBody>
+          <a:bodyPr wrap="square" rtlCol="0">
+            <a:spAutoFit/>
+          </a:bodyPr>
+          <a:lstStyle/>
+          <a:p>
+            <a:r>
+              <a:rPr lang="es-MX" sz="2000" dirty="0"/>
+              <a:t>Palabras con </a:t>
+            </a:r>
+            <a:r>
+              <a:rPr lang="es-MX" sz="2000" dirty="0" err="1"/>
+              <a:t>co-ocurrencia</a:t>
+            </a:r>
+            <a:r>
+              <a:rPr lang="es-MX" sz="2000" dirty="0"/>
+              <a:t> mayor a 85, se usaron 206 palabras. Selecciono 4 </a:t>
+            </a:r>
+            <a:r>
+              <a:rPr lang="es-MX" sz="2000" dirty="0" err="1"/>
+              <a:t>clusters</a:t>
+            </a:r>
+            <a:r>
+              <a:rPr lang="es-MX" sz="2000" dirty="0"/>
+              <a:t>. PC =22.65% y PC2 = 13.81% </a:t>
+            </a:r>
+          </a:p>
+        </p:txBody>
+      </p:sp>
       <p:pic>
         <p:nvPicPr>
-          <p:cNvPr id="3" name="Imagen 2">
-            <a:extLst>
-              <a:ext uri="{FF2B5EF4-FFF2-40B4-BE49-F238E27FC236}">
-                <a16:creationId xmlns:a16="http://schemas.microsoft.com/office/drawing/2014/main" id="{75EDF74F-7A1C-1813-4095-D2CACDD735B1}"/>
+          <p:cNvPr id="5" name="Imagen 4">
+            <a:extLst>
+              <a:ext uri="{FF2B5EF4-FFF2-40B4-BE49-F238E27FC236}">
+                <a16:creationId xmlns:a16="http://schemas.microsoft.com/office/drawing/2014/main" id="{D88B0D64-A787-DA77-708A-C345C2B509D0}"/>
               </a:ext>
             </a:extLst>
           </p:cNvPr>
@@ -3857,69 +3879,18 @@
         </p:blipFill>
         <p:spPr>
           <a:xfrm>
-            <a:off x="613610" y="1094875"/>
-            <a:ext cx="10686100" cy="5775158"/>
+            <a:off x="172202" y="876328"/>
+            <a:ext cx="10841194" cy="5813230"/>
           </a:xfrm>
           <a:prstGeom prst="rect">
             <a:avLst/>
           </a:prstGeom>
         </p:spPr>
       </p:pic>
-      <p:sp>
-        <p:nvSpPr>
-          <p:cNvPr id="4" name="CuadroTexto 3">
-            <a:extLst>
-              <a:ext uri="{FF2B5EF4-FFF2-40B4-BE49-F238E27FC236}">
-                <a16:creationId xmlns:a16="http://schemas.microsoft.com/office/drawing/2014/main" id="{5A684009-1FA8-C3B5-2DA9-F190DDAD2FF6}"/>
-              </a:ext>
-            </a:extLst>
-          </p:cNvPr>
-          <p:cNvSpPr txBox="1"/>
-          <p:nvPr/>
-        </p:nvSpPr>
-        <p:spPr>
-          <a:xfrm>
-            <a:off x="172202" y="168442"/>
-            <a:ext cx="11763124" cy="461665"/>
-          </a:xfrm>
-          <a:prstGeom prst="rect">
-            <a:avLst/>
-          </a:prstGeom>
-          <a:noFill/>
-        </p:spPr>
-        <p:txBody>
-          <a:bodyPr wrap="square" rtlCol="0">
-            <a:spAutoFit/>
-          </a:bodyPr>
-          <a:lstStyle/>
-          <a:p>
-            <a:r>
-              <a:rPr lang="es-MX" sz="2400" dirty="0"/>
-              <a:t>Palabras con </a:t>
-            </a:r>
-            <a:r>
-              <a:rPr lang="es-MX" sz="2400" dirty="0" err="1"/>
-              <a:t>co-ocurrencia</a:t>
-            </a:r>
-            <a:r>
-              <a:rPr lang="es-MX" sz="2400" dirty="0"/>
-              <a:t> mayor a 10, se usaron 90 palabras. Selecciono 8 </a:t>
-            </a:r>
-            <a:r>
-              <a:rPr lang="es-MX" sz="2400" dirty="0" err="1"/>
-              <a:t>clusters</a:t>
-            </a:r>
-            <a:r>
-              <a:rPr lang="es-MX" sz="2400" dirty="0"/>
-              <a:t>. </a:t>
-            </a:r>
-          </a:p>
-        </p:txBody>
-      </p:sp>
     </p:spTree>
     <p:extLst>
       <p:ext uri="{BB962C8B-B14F-4D97-AF65-F5344CB8AC3E}">
-        <p14:creationId xmlns:p14="http://schemas.microsoft.com/office/powerpoint/2010/main" val="1929978383"/>
+        <p14:creationId xmlns:p14="http://schemas.microsoft.com/office/powerpoint/2010/main" val="3776747020"/>
       </p:ext>
     </p:extLst>
   </p:cSld>
@@ -3934,7 +3905,13 @@
   <p:cSld>
     <p:spTree>
       <p:nvGrpSpPr>
-        <p:cNvPr id="1" name=""/>
+        <p:cNvPr id="1" name="">
+          <a:extLst>
+            <a:ext uri="{FF2B5EF4-FFF2-40B4-BE49-F238E27FC236}">
+              <a16:creationId xmlns:a16="http://schemas.microsoft.com/office/drawing/2014/main" id="{E317F0F9-430B-285F-FFD0-21C952805718}"/>
+            </a:ext>
+          </a:extLst>
+        </p:cNvPr>
         <p:cNvGrpSpPr/>
         <p:nvPr/>
       </p:nvGrpSpPr>
@@ -3946,12 +3923,63 @@
           <a:chExt cx="0" cy="0"/>
         </a:xfrm>
       </p:grpSpPr>
+      <p:sp>
+        <p:nvSpPr>
+          <p:cNvPr id="4" name="CuadroTexto 3">
+            <a:extLst>
+              <a:ext uri="{FF2B5EF4-FFF2-40B4-BE49-F238E27FC236}">
+                <a16:creationId xmlns:a16="http://schemas.microsoft.com/office/drawing/2014/main" id="{CEA462C2-E0CE-171A-8928-4A87EEFFF1C8}"/>
+              </a:ext>
+            </a:extLst>
+          </p:cNvPr>
+          <p:cNvSpPr txBox="1"/>
+          <p:nvPr/>
+        </p:nvSpPr>
+        <p:spPr>
+          <a:xfrm>
+            <a:off x="172202" y="168442"/>
+            <a:ext cx="11763124" cy="707886"/>
+          </a:xfrm>
+          <a:prstGeom prst="rect">
+            <a:avLst/>
+          </a:prstGeom>
+          <a:noFill/>
+        </p:spPr>
+        <p:txBody>
+          <a:bodyPr wrap="square" rtlCol="0">
+            <a:spAutoFit/>
+          </a:bodyPr>
+          <a:lstStyle/>
+          <a:p>
+            <a:r>
+              <a:rPr lang="es-MX" sz="2000" dirty="0"/>
+              <a:t>Palabras con </a:t>
+            </a:r>
+            <a:r>
+              <a:rPr lang="es-MX" sz="2000" dirty="0" err="1"/>
+              <a:t>co-ocurrencia</a:t>
+            </a:r>
+            <a:r>
+              <a:rPr lang="es-MX" sz="2000" dirty="0"/>
+              <a:t> mayor a 85, se usaron 206 palabras. Selecciono 6 </a:t>
+            </a:r>
+            <a:r>
+              <a:rPr lang="es-MX" sz="2000" dirty="0" err="1"/>
+              <a:t>clusters</a:t>
+            </a:r>
+            <a:r>
+              <a:rPr lang="es-MX" sz="2000" dirty="0"/>
+              <a:t>. PC =22.65% y PC2 = 13.81% </a:t>
+            </a:r>
+          </a:p>
+        </p:txBody>
+      </p:sp>
       <p:pic>
         <p:nvPicPr>
-          <p:cNvPr id="2" name="Imagen 1">
-            <a:extLst>
-              <a:ext uri="{FF2B5EF4-FFF2-40B4-BE49-F238E27FC236}">
-                <a16:creationId xmlns:a16="http://schemas.microsoft.com/office/drawing/2014/main" id="{B32868A0-1840-45BF-6760-EE9E92B9FD4D}"/>
+          <p:cNvPr id="3" name="Imagen 2">
+            <a:extLst>
+              <a:ext uri="{FF2B5EF4-FFF2-40B4-BE49-F238E27FC236}">
+                <a16:creationId xmlns:a16="http://schemas.microsoft.com/office/drawing/2014/main" id="{5DBE4E20-E515-2866-45B6-20368DD4A866}"/>
               </a:ext>
             </a:extLst>
           </p:cNvPr>
@@ -3968,8 +3996,8 @@
         </p:blipFill>
         <p:spPr>
           <a:xfrm>
-            <a:off x="0" y="0"/>
-            <a:ext cx="11843761" cy="6400800"/>
+            <a:off x="545592" y="876328"/>
+            <a:ext cx="11016343" cy="5786594"/>
           </a:xfrm>
           <a:prstGeom prst="rect">
             <a:avLst/>
@@ -3979,7 +4007,7 @@
     </p:spTree>
     <p:extLst>
       <p:ext uri="{BB962C8B-B14F-4D97-AF65-F5344CB8AC3E}">
-        <p14:creationId xmlns:p14="http://schemas.microsoft.com/office/powerpoint/2010/main" val="1196899482"/>
+        <p14:creationId xmlns:p14="http://schemas.microsoft.com/office/powerpoint/2010/main" val="1753539014"/>
       </p:ext>
     </p:extLst>
   </p:cSld>
@@ -3994,7 +4022,13 @@
   <p:cSld>
     <p:spTree>
       <p:nvGrpSpPr>
-        <p:cNvPr id="1" name=""/>
+        <p:cNvPr id="1" name="">
+          <a:extLst>
+            <a:ext uri="{FF2B5EF4-FFF2-40B4-BE49-F238E27FC236}">
+              <a16:creationId xmlns:a16="http://schemas.microsoft.com/office/drawing/2014/main" id="{BC3CA193-7E3F-4D5A-2922-9CFF835CADF1}"/>
+            </a:ext>
+          </a:extLst>
+        </p:cNvPr>
         <p:cNvGrpSpPr/>
         <p:nvPr/>
       </p:nvGrpSpPr>
@@ -4008,46 +4042,52 @@
       </p:grpSpPr>
       <p:sp>
         <p:nvSpPr>
-          <p:cNvPr id="2" name="AutoShape 2">
-            <a:extLst>
-              <a:ext uri="{FF2B5EF4-FFF2-40B4-BE49-F238E27FC236}">
-                <a16:creationId xmlns:a16="http://schemas.microsoft.com/office/drawing/2014/main" id="{76113FAC-B185-049D-9C8D-E15CBCE91562}"/>
-              </a:ext>
-            </a:extLst>
-          </p:cNvPr>
-          <p:cNvSpPr>
-            <a:spLocks noChangeAspect="1" noChangeArrowheads="1"/>
-          </p:cNvSpPr>
+          <p:cNvPr id="4" name="CuadroTexto 3">
+            <a:extLst>
+              <a:ext uri="{FF2B5EF4-FFF2-40B4-BE49-F238E27FC236}">
+                <a16:creationId xmlns:a16="http://schemas.microsoft.com/office/drawing/2014/main" id="{7F6AB35D-F36B-B449-8549-2CE94B130A12}"/>
+              </a:ext>
+            </a:extLst>
+          </p:cNvPr>
+          <p:cNvSpPr txBox="1"/>
           <p:nvPr/>
         </p:nvSpPr>
-        <p:spPr bwMode="auto">
+        <p:spPr>
           <a:xfrm>
-            <a:off x="5943600" y="3276600"/>
-            <a:ext cx="304800" cy="304800"/>
+            <a:off x="172202" y="168442"/>
+            <a:ext cx="11763124" cy="707886"/>
           </a:xfrm>
           <a:prstGeom prst="rect">
             <a:avLst/>
           </a:prstGeom>
           <a:noFill/>
-          <a:extLst>
-            <a:ext uri="{909E8E84-426E-40DD-AFC4-6F175D3DCCD1}">
-              <a14:hiddenFill xmlns:a14="http://schemas.microsoft.com/office/drawing/2010/main">
-                <a:solidFill>
-                  <a:srgbClr val="FFFFFF"/>
-                </a:solidFill>
-              </a14:hiddenFill>
-            </a:ext>
-          </a:extLst>
         </p:spPr>
         <p:txBody>
-          <a:bodyPr vert="horz" wrap="square" lIns="91440" tIns="45720" rIns="91440" bIns="45720" numCol="1" anchor="t" anchorCtr="0" compatLnSpc="1">
-            <a:prstTxWarp prst="textNoShape">
-              <a:avLst/>
-            </a:prstTxWarp>
+          <a:bodyPr wrap="square" rtlCol="0">
+            <a:spAutoFit/>
           </a:bodyPr>
           <a:lstStyle/>
           <a:p>
-            <a:endParaRPr lang="es-MX"/>
+            <a:r>
+              <a:rPr lang="es-MX" sz="2000" dirty="0"/>
+              <a:t>Palabras con </a:t>
+            </a:r>
+            <a:r>
+              <a:rPr lang="es-MX" sz="2000" dirty="0" err="1"/>
+              <a:t>co-ocurrencia</a:t>
+            </a:r>
+            <a:r>
+              <a:rPr lang="es-MX" sz="2000" dirty="0"/>
+              <a:t> mayor a 85, se usaron 206 palabras. Selecciono 10 </a:t>
+            </a:r>
+            <a:r>
+              <a:rPr lang="es-MX" sz="2000" dirty="0" err="1"/>
+              <a:t>clusters</a:t>
+            </a:r>
+            <a:r>
+              <a:rPr lang="es-MX" sz="2000" dirty="0"/>
+              <a:t>. PC =22.65% y PC2 = 13.81% </a:t>
+            </a:r>
           </a:p>
         </p:txBody>
       </p:sp>
@@ -4056,7 +4096,7 @@
           <p:cNvPr id="3" name="Imagen 2">
             <a:extLst>
               <a:ext uri="{FF2B5EF4-FFF2-40B4-BE49-F238E27FC236}">
-                <a16:creationId xmlns:a16="http://schemas.microsoft.com/office/drawing/2014/main" id="{31FDE40C-DE4B-9A36-C2FC-83BF08EFD1D2}"/>
+                <a16:creationId xmlns:a16="http://schemas.microsoft.com/office/drawing/2014/main" id="{84D58C97-787C-2C1A-28FE-9E729F3FBCF9}"/>
               </a:ext>
             </a:extLst>
           </p:cNvPr>
@@ -4073,156 +4113,8 @@
         </p:blipFill>
         <p:spPr>
           <a:xfrm>
-            <a:off x="388770" y="1351797"/>
-            <a:ext cx="10188437" cy="5506203"/>
-          </a:xfrm>
-          <a:prstGeom prst="rect">
-            <a:avLst/>
-          </a:prstGeom>
-        </p:spPr>
-      </p:pic>
-      <p:sp>
-        <p:nvSpPr>
-          <p:cNvPr id="4" name="CuadroTexto 3">
-            <a:extLst>
-              <a:ext uri="{FF2B5EF4-FFF2-40B4-BE49-F238E27FC236}">
-                <a16:creationId xmlns:a16="http://schemas.microsoft.com/office/drawing/2014/main" id="{2D3E5909-7A37-1FE1-1D41-B39BF2C36E37}"/>
-              </a:ext>
-            </a:extLst>
-          </p:cNvPr>
-          <p:cNvSpPr txBox="1"/>
-          <p:nvPr/>
-        </p:nvSpPr>
-        <p:spPr>
-          <a:xfrm>
-            <a:off x="214438" y="158563"/>
-            <a:ext cx="11763124" cy="461665"/>
-          </a:xfrm>
-          <a:prstGeom prst="rect">
-            <a:avLst/>
-          </a:prstGeom>
-          <a:noFill/>
-        </p:spPr>
-        <p:txBody>
-          <a:bodyPr wrap="square" rtlCol="0">
-            <a:spAutoFit/>
-          </a:bodyPr>
-          <a:lstStyle/>
-          <a:p>
-            <a:r>
-              <a:rPr lang="es-MX" sz="2400" dirty="0"/>
-              <a:t>Análisis de correspondencia. Selecciono 6 </a:t>
-            </a:r>
-            <a:r>
-              <a:rPr lang="es-MX" sz="2400" dirty="0" err="1"/>
-              <a:t>clusters</a:t>
-            </a:r>
-            <a:r>
-              <a:rPr lang="es-MX" sz="2400" dirty="0"/>
-              <a:t>. </a:t>
-            </a:r>
-          </a:p>
-        </p:txBody>
-      </p:sp>
-    </p:spTree>
-    <p:extLst>
-      <p:ext uri="{BB962C8B-B14F-4D97-AF65-F5344CB8AC3E}">
-        <p14:creationId xmlns:p14="http://schemas.microsoft.com/office/powerpoint/2010/main" val="1272856042"/>
-      </p:ext>
-    </p:extLst>
-  </p:cSld>
-  <p:clrMapOvr>
-    <a:masterClrMapping/>
-  </p:clrMapOvr>
-</p:sld>
-</file>
-
-<file path=ppt/slides/slide8.xml><?xml version="1.0" encoding="utf-8"?>
-<p:sld xmlns:a="http://schemas.openxmlformats.org/drawingml/2006/main" xmlns:r="http://schemas.openxmlformats.org/officeDocument/2006/relationships" xmlns:p="http://schemas.openxmlformats.org/presentationml/2006/main">
-  <p:cSld>
-    <p:spTree>
-      <p:nvGrpSpPr>
-        <p:cNvPr id="1" name=""/>
-        <p:cNvGrpSpPr/>
-        <p:nvPr/>
-      </p:nvGrpSpPr>
-      <p:grpSpPr>
-        <a:xfrm>
-          <a:off x="0" y="0"/>
-          <a:ext cx="0" cy="0"/>
-          <a:chOff x="0" y="0"/>
-          <a:chExt cx="0" cy="0"/>
-        </a:xfrm>
-      </p:grpSpPr>
-      <p:sp>
-        <p:nvSpPr>
-          <p:cNvPr id="2" name="AutoShape 2">
-            <a:extLst>
-              <a:ext uri="{FF2B5EF4-FFF2-40B4-BE49-F238E27FC236}">
-                <a16:creationId xmlns:a16="http://schemas.microsoft.com/office/drawing/2014/main" id="{6C171F92-925D-3286-4B26-FC46FF2EE191}"/>
-              </a:ext>
-            </a:extLst>
-          </p:cNvPr>
-          <p:cNvSpPr>
-            <a:spLocks noChangeAspect="1" noChangeArrowheads="1"/>
-          </p:cNvSpPr>
-          <p:nvPr/>
-        </p:nvSpPr>
-        <p:spPr bwMode="auto">
-          <a:xfrm>
-            <a:off x="5943600" y="3276600"/>
-            <a:ext cx="304800" cy="304800"/>
-          </a:xfrm>
-          <a:prstGeom prst="rect">
-            <a:avLst/>
-          </a:prstGeom>
-          <a:noFill/>
-          <a:extLst>
-            <a:ext uri="{909E8E84-426E-40DD-AFC4-6F175D3DCCD1}">
-              <a14:hiddenFill xmlns:a14="http://schemas.microsoft.com/office/drawing/2010/main">
-                <a:solidFill>
-                  <a:srgbClr val="FFFFFF"/>
-                </a:solidFill>
-              </a14:hiddenFill>
-            </a:ext>
-          </a:extLst>
-        </p:spPr>
-        <p:txBody>
-          <a:bodyPr vert="horz" wrap="square" lIns="91440" tIns="45720" rIns="91440" bIns="45720" numCol="1" anchor="t" anchorCtr="0" compatLnSpc="1">
-            <a:prstTxWarp prst="textNoShape">
-              <a:avLst/>
-            </a:prstTxWarp>
-          </a:bodyPr>
-          <a:lstStyle/>
-          <a:p>
-            <a:endParaRPr lang="es-MX"/>
-          </a:p>
-        </p:txBody>
-      </p:sp>
-      <p:pic>
-        <p:nvPicPr>
-          <p:cNvPr id="3" name="Imagen 2">
-            <a:extLst>
-              <a:ext uri="{FF2B5EF4-FFF2-40B4-BE49-F238E27FC236}">
-                <a16:creationId xmlns:a16="http://schemas.microsoft.com/office/drawing/2014/main" id="{B69D1A17-FCDA-53C5-0DA8-F0A9D77CD7FB}"/>
-              </a:ext>
-            </a:extLst>
-          </p:cNvPr>
-          <p:cNvPicPr>
-            <a:picLocks noChangeAspect="1"/>
-          </p:cNvPicPr>
-          <p:nvPr/>
-        </p:nvPicPr>
-        <p:blipFill>
-          <a:blip r:embed="rId2"/>
-          <a:stretch>
-            <a:fillRect/>
-          </a:stretch>
-        </p:blipFill>
-        <p:spPr>
-          <a:xfrm>
-            <a:off x="252664" y="659856"/>
-            <a:ext cx="10811793" cy="5843087"/>
+            <a:off x="0" y="876328"/>
+            <a:ext cx="10984093" cy="5907027"/>
           </a:xfrm>
           <a:prstGeom prst="rect">
             <a:avLst/>
@@ -4232,110 +4124,7 @@
     </p:spTree>
     <p:extLst>
       <p:ext uri="{BB962C8B-B14F-4D97-AF65-F5344CB8AC3E}">
-        <p14:creationId xmlns:p14="http://schemas.microsoft.com/office/powerpoint/2010/main" val="4047609146"/>
-      </p:ext>
-    </p:extLst>
-  </p:cSld>
-  <p:clrMapOvr>
-    <a:masterClrMapping/>
-  </p:clrMapOvr>
-</p:sld>
-</file>
-
-<file path=ppt/slides/slide9.xml><?xml version="1.0" encoding="utf-8"?>
-<p:sld xmlns:a="http://schemas.openxmlformats.org/drawingml/2006/main" xmlns:r="http://schemas.openxmlformats.org/officeDocument/2006/relationships" xmlns:p="http://schemas.openxmlformats.org/presentationml/2006/main">
-  <p:cSld>
-    <p:spTree>
-      <p:nvGrpSpPr>
-        <p:cNvPr id="1" name=""/>
-        <p:cNvGrpSpPr/>
-        <p:nvPr/>
-      </p:nvGrpSpPr>
-      <p:grpSpPr>
-        <a:xfrm>
-          <a:off x="0" y="0"/>
-          <a:ext cx="0" cy="0"/>
-          <a:chOff x="0" y="0"/>
-          <a:chExt cx="0" cy="0"/>
-        </a:xfrm>
-      </p:grpSpPr>
-      <p:pic>
-        <p:nvPicPr>
-          <p:cNvPr id="2" name="Imagen 1">
-            <a:extLst>
-              <a:ext uri="{FF2B5EF4-FFF2-40B4-BE49-F238E27FC236}">
-                <a16:creationId xmlns:a16="http://schemas.microsoft.com/office/drawing/2014/main" id="{514B6753-DCAE-1844-FBEC-03EF3F10B466}"/>
-              </a:ext>
-            </a:extLst>
-          </p:cNvPr>
-          <p:cNvPicPr>
-            <a:picLocks noChangeAspect="1"/>
-          </p:cNvPicPr>
-          <p:nvPr/>
-        </p:nvPicPr>
-        <p:blipFill>
-          <a:blip r:embed="rId2"/>
-          <a:stretch>
-            <a:fillRect/>
-          </a:stretch>
-        </p:blipFill>
-        <p:spPr>
-          <a:xfrm>
-            <a:off x="0" y="762250"/>
-            <a:ext cx="11279309" cy="6095750"/>
-          </a:xfrm>
-          <a:prstGeom prst="rect">
-            <a:avLst/>
-          </a:prstGeom>
-        </p:spPr>
-      </p:pic>
-      <p:sp>
-        <p:nvSpPr>
-          <p:cNvPr id="3" name="CuadroTexto 2">
-            <a:extLst>
-              <a:ext uri="{FF2B5EF4-FFF2-40B4-BE49-F238E27FC236}">
-                <a16:creationId xmlns:a16="http://schemas.microsoft.com/office/drawing/2014/main" id="{DFDD5C20-2BF6-F0A9-0779-CC31688D9C34}"/>
-              </a:ext>
-            </a:extLst>
-          </p:cNvPr>
-          <p:cNvSpPr txBox="1"/>
-          <p:nvPr/>
-        </p:nvSpPr>
-        <p:spPr>
-          <a:xfrm>
-            <a:off x="214438" y="158563"/>
-            <a:ext cx="11763124" cy="461665"/>
-          </a:xfrm>
-          <a:prstGeom prst="rect">
-            <a:avLst/>
-          </a:prstGeom>
-          <a:noFill/>
-        </p:spPr>
-        <p:txBody>
-          <a:bodyPr wrap="square" rtlCol="0">
-            <a:spAutoFit/>
-          </a:bodyPr>
-          <a:lstStyle/>
-          <a:p>
-            <a:r>
-              <a:rPr lang="es-MX" sz="2400" dirty="0"/>
-              <a:t>Método de escalamiento métrico multidimensional. Selecciono 6 </a:t>
-            </a:r>
-            <a:r>
-              <a:rPr lang="es-MX" sz="2400" dirty="0" err="1"/>
-              <a:t>clusters</a:t>
-            </a:r>
-            <a:r>
-              <a:rPr lang="es-MX" sz="2400" dirty="0"/>
-              <a:t>. </a:t>
-            </a:r>
-          </a:p>
-        </p:txBody>
-      </p:sp>
-    </p:spTree>
-    <p:extLst>
-      <p:ext uri="{BB962C8B-B14F-4D97-AF65-F5344CB8AC3E}">
-        <p14:creationId xmlns:p14="http://schemas.microsoft.com/office/powerpoint/2010/main" val="1525341694"/>
+        <p14:creationId xmlns:p14="http://schemas.microsoft.com/office/powerpoint/2010/main" val="815947670"/>
       </p:ext>
     </p:extLst>
   </p:cSld>
